--- a/docs/songs/god of this city.pptx
+++ b/docs/songs/god of this city.pptx
@@ -307,7 +307,7 @@
             <a:fld id="{26EA1CF3-4A15-4CBF-9A5A-6A56C368BE71}" type="datetimeFigureOut">
               <a:rPr lang="en-GB" smtClean="0"/>
               <a:pPr/>
-              <a:t>03/10/2022</a:t>
+              <a:t>23/01/2023</a:t>
             </a:fld>
             <a:endParaRPr lang="en-GB"/>
           </a:p>
@@ -474,7 +474,7 @@
             <a:fld id="{26EA1CF3-4A15-4CBF-9A5A-6A56C368BE71}" type="datetimeFigureOut">
               <a:rPr lang="en-GB" smtClean="0"/>
               <a:pPr/>
-              <a:t>03/10/2022</a:t>
+              <a:t>23/01/2023</a:t>
             </a:fld>
             <a:endParaRPr lang="en-GB"/>
           </a:p>
@@ -651,7 +651,7 @@
             <a:fld id="{26EA1CF3-4A15-4CBF-9A5A-6A56C368BE71}" type="datetimeFigureOut">
               <a:rPr lang="en-GB" smtClean="0"/>
               <a:pPr/>
-              <a:t>03/10/2022</a:t>
+              <a:t>23/01/2023</a:t>
             </a:fld>
             <a:endParaRPr lang="en-GB"/>
           </a:p>
@@ -818,7 +818,7 @@
             <a:fld id="{26EA1CF3-4A15-4CBF-9A5A-6A56C368BE71}" type="datetimeFigureOut">
               <a:rPr lang="en-GB" smtClean="0"/>
               <a:pPr/>
-              <a:t>03/10/2022</a:t>
+              <a:t>23/01/2023</a:t>
             </a:fld>
             <a:endParaRPr lang="en-GB"/>
           </a:p>
@@ -1061,7 +1061,7 @@
             <a:fld id="{26EA1CF3-4A15-4CBF-9A5A-6A56C368BE71}" type="datetimeFigureOut">
               <a:rPr lang="en-GB" smtClean="0"/>
               <a:pPr/>
-              <a:t>03/10/2022</a:t>
+              <a:t>23/01/2023</a:t>
             </a:fld>
             <a:endParaRPr lang="en-GB"/>
           </a:p>
@@ -1346,7 +1346,7 @@
             <a:fld id="{26EA1CF3-4A15-4CBF-9A5A-6A56C368BE71}" type="datetimeFigureOut">
               <a:rPr lang="en-GB" smtClean="0"/>
               <a:pPr/>
-              <a:t>03/10/2022</a:t>
+              <a:t>23/01/2023</a:t>
             </a:fld>
             <a:endParaRPr lang="en-GB"/>
           </a:p>
@@ -1765,7 +1765,7 @@
             <a:fld id="{26EA1CF3-4A15-4CBF-9A5A-6A56C368BE71}" type="datetimeFigureOut">
               <a:rPr lang="en-GB" smtClean="0"/>
               <a:pPr/>
-              <a:t>03/10/2022</a:t>
+              <a:t>23/01/2023</a:t>
             </a:fld>
             <a:endParaRPr lang="en-GB"/>
           </a:p>
@@ -1880,7 +1880,7 @@
             <a:fld id="{26EA1CF3-4A15-4CBF-9A5A-6A56C368BE71}" type="datetimeFigureOut">
               <a:rPr lang="en-GB" smtClean="0"/>
               <a:pPr/>
-              <a:t>03/10/2022</a:t>
+              <a:t>23/01/2023</a:t>
             </a:fld>
             <a:endParaRPr lang="en-GB"/>
           </a:p>
@@ -1972,7 +1972,7 @@
             <a:fld id="{26EA1CF3-4A15-4CBF-9A5A-6A56C368BE71}" type="datetimeFigureOut">
               <a:rPr lang="en-GB" smtClean="0"/>
               <a:pPr/>
-              <a:t>03/10/2022</a:t>
+              <a:t>23/01/2023</a:t>
             </a:fld>
             <a:endParaRPr lang="en-GB"/>
           </a:p>
@@ -2246,7 +2246,7 @@
             <a:fld id="{26EA1CF3-4A15-4CBF-9A5A-6A56C368BE71}" type="datetimeFigureOut">
               <a:rPr lang="en-GB" smtClean="0"/>
               <a:pPr/>
-              <a:t>03/10/2022</a:t>
+              <a:t>23/01/2023</a:t>
             </a:fld>
             <a:endParaRPr lang="en-GB"/>
           </a:p>
@@ -2496,7 +2496,7 @@
             <a:fld id="{26EA1CF3-4A15-4CBF-9A5A-6A56C368BE71}" type="datetimeFigureOut">
               <a:rPr lang="en-GB" smtClean="0"/>
               <a:pPr/>
-              <a:t>03/10/2022</a:t>
+              <a:t>23/01/2023</a:t>
             </a:fld>
             <a:endParaRPr lang="en-GB"/>
           </a:p>
@@ -2709,7 +2709,7 @@
             <a:fld id="{26EA1CF3-4A15-4CBF-9A5A-6A56C368BE71}" type="datetimeFigureOut">
               <a:rPr lang="en-GB" smtClean="0"/>
               <a:pPr/>
-              <a:t>03/10/2022</a:t>
+              <a:t>23/01/2023</a:t>
             </a:fld>
             <a:endParaRPr lang="en-GB"/>
           </a:p>
@@ -3117,7 +3117,24 @@
                 </a:solidFill>
                 <a:latin typeface="akagi_probook"/>
               </a:rPr>
-              <a:t>Your Name</a:t>
+              <a:t>God of This City</a:t>
+            </a:r>
+          </a:p>
+          <a:p>
+            <a:br>
+              <a:rPr lang="en-GB" sz="1200" dirty="0">
+                <a:solidFill>
+                  <a:schemeClr val="bg1"/>
+                </a:solidFill>
+              </a:rPr>
+            </a:br>
+            <a:r>
+              <a:rPr lang="en-GB" sz="1200" dirty="0">
+                <a:solidFill>
+                  <a:schemeClr val="bg1"/>
+                </a:solidFill>
+              </a:rPr>
+              <a:t>CCLI Song # 5037070</a:t>
             </a:r>
           </a:p>
           <a:p>
@@ -3134,10 +3151,32 @@
                   <a:schemeClr val="bg1"/>
                 </a:solidFill>
               </a:rPr>
-              <a:t>CCLI Song # 4611679</a:t>
-            </a:r>
-          </a:p>
-          <a:p>
+              <a:t>Aaron Boyd | Andrew McCann | Ian Jordan | Peter Comfort | Peter </a:t>
+            </a:r>
+            <a:r>
+              <a:rPr lang="en-GB" sz="1200" dirty="0" err="1">
+                <a:solidFill>
+                  <a:schemeClr val="bg1"/>
+                </a:solidFill>
+              </a:rPr>
+              <a:t>Kernoghan</a:t>
+            </a:r>
+            <a:r>
+              <a:rPr lang="en-GB" sz="1200" dirty="0">
+                <a:solidFill>
+                  <a:schemeClr val="bg1"/>
+                </a:solidFill>
+              </a:rPr>
+              <a:t> | Richard </a:t>
+            </a:r>
+            <a:r>
+              <a:rPr lang="en-GB" sz="1200" dirty="0" err="1">
+                <a:solidFill>
+                  <a:schemeClr val="bg1"/>
+                </a:solidFill>
+              </a:rPr>
+              <a:t>Bleakley</a:t>
+            </a:r>
             <a:endParaRPr lang="en-GB" sz="1200" dirty="0">
               <a:solidFill>
                 <a:schemeClr val="bg1"/>
@@ -3145,38 +3184,6 @@
             </a:endParaRPr>
           </a:p>
           <a:p>
-            <a:r>
-              <a:rPr lang="en-GB" sz="1200" dirty="0">
-                <a:solidFill>
-                  <a:schemeClr val="bg1"/>
-                </a:solidFill>
-              </a:rPr>
-              <a:t>Glenn </a:t>
-            </a:r>
-            <a:r>
-              <a:rPr lang="en-GB" sz="1200" dirty="0" err="1">
-                <a:solidFill>
-                  <a:schemeClr val="bg1"/>
-                </a:solidFill>
-              </a:rPr>
-              <a:t>Packiam</a:t>
-            </a:r>
-            <a:r>
-              <a:rPr lang="en-GB" sz="1200" dirty="0">
-                <a:solidFill>
-                  <a:schemeClr val="bg1"/>
-                </a:solidFill>
-              </a:rPr>
-              <a:t> | Paul </a:t>
-            </a:r>
-            <a:r>
-              <a:rPr lang="en-GB" sz="1200" dirty="0" err="1">
-                <a:solidFill>
-                  <a:schemeClr val="bg1"/>
-                </a:solidFill>
-              </a:rPr>
-              <a:t>Baloche</a:t>
-            </a:r>
             <a:endParaRPr lang="en-GB" sz="1200" dirty="0">
               <a:solidFill>
                 <a:schemeClr val="bg1"/>
@@ -3184,30 +3191,13 @@
             </a:endParaRPr>
           </a:p>
           <a:p>
-            <a:endParaRPr lang="en-GB" sz="1200" dirty="0">
-              <a:solidFill>
-                <a:schemeClr val="bg1"/>
-              </a:solidFill>
-            </a:endParaRPr>
-          </a:p>
-          <a:p>
             <a:r>
               <a:rPr lang="en-GB" sz="1200" dirty="0">
                 <a:solidFill>
                   <a:schemeClr val="bg1"/>
                 </a:solidFill>
               </a:rPr>
-              <a:t>© 2006 Integrity Worship Music (Admin. by Integrity Music Ltd)</a:t>
-            </a:r>
-          </a:p>
-          <a:p>
-            <a:r>
-              <a:rPr lang="en-GB" sz="1200" dirty="0">
-                <a:solidFill>
-                  <a:schemeClr val="bg1"/>
-                </a:solidFill>
-              </a:rPr>
-              <a:t>Integrity's Hosanna! Music (Admin. by Integrity Music Ltd)</a:t>
+              <a:t>© 2006 Thankyou Music (Admin. by Integrity Music Ltd)</a:t>
             </a:r>
           </a:p>
           <a:p>

--- a/docs/songs/god of this city.pptx
+++ b/docs/songs/god of this city.pptx
@@ -307,7 +307,7 @@
             <a:fld id="{26EA1CF3-4A15-4CBF-9A5A-6A56C368BE71}" type="datetimeFigureOut">
               <a:rPr lang="en-GB" smtClean="0"/>
               <a:pPr/>
-              <a:t>23/01/2023</a:t>
+              <a:t>17/06/2024</a:t>
             </a:fld>
             <a:endParaRPr lang="en-GB"/>
           </a:p>
@@ -474,7 +474,7 @@
             <a:fld id="{26EA1CF3-4A15-4CBF-9A5A-6A56C368BE71}" type="datetimeFigureOut">
               <a:rPr lang="en-GB" smtClean="0"/>
               <a:pPr/>
-              <a:t>23/01/2023</a:t>
+              <a:t>17/06/2024</a:t>
             </a:fld>
             <a:endParaRPr lang="en-GB"/>
           </a:p>
@@ -651,7 +651,7 @@
             <a:fld id="{26EA1CF3-4A15-4CBF-9A5A-6A56C368BE71}" type="datetimeFigureOut">
               <a:rPr lang="en-GB" smtClean="0"/>
               <a:pPr/>
-              <a:t>23/01/2023</a:t>
+              <a:t>17/06/2024</a:t>
             </a:fld>
             <a:endParaRPr lang="en-GB"/>
           </a:p>
@@ -818,7 +818,7 @@
             <a:fld id="{26EA1CF3-4A15-4CBF-9A5A-6A56C368BE71}" type="datetimeFigureOut">
               <a:rPr lang="en-GB" smtClean="0"/>
               <a:pPr/>
-              <a:t>23/01/2023</a:t>
+              <a:t>17/06/2024</a:t>
             </a:fld>
             <a:endParaRPr lang="en-GB"/>
           </a:p>
@@ -1061,7 +1061,7 @@
             <a:fld id="{26EA1CF3-4A15-4CBF-9A5A-6A56C368BE71}" type="datetimeFigureOut">
               <a:rPr lang="en-GB" smtClean="0"/>
               <a:pPr/>
-              <a:t>23/01/2023</a:t>
+              <a:t>17/06/2024</a:t>
             </a:fld>
             <a:endParaRPr lang="en-GB"/>
           </a:p>
@@ -1346,7 +1346,7 @@
             <a:fld id="{26EA1CF3-4A15-4CBF-9A5A-6A56C368BE71}" type="datetimeFigureOut">
               <a:rPr lang="en-GB" smtClean="0"/>
               <a:pPr/>
-              <a:t>23/01/2023</a:t>
+              <a:t>17/06/2024</a:t>
             </a:fld>
             <a:endParaRPr lang="en-GB"/>
           </a:p>
@@ -1765,7 +1765,7 @@
             <a:fld id="{26EA1CF3-4A15-4CBF-9A5A-6A56C368BE71}" type="datetimeFigureOut">
               <a:rPr lang="en-GB" smtClean="0"/>
               <a:pPr/>
-              <a:t>23/01/2023</a:t>
+              <a:t>17/06/2024</a:t>
             </a:fld>
             <a:endParaRPr lang="en-GB"/>
           </a:p>
@@ -1880,7 +1880,7 @@
             <a:fld id="{26EA1CF3-4A15-4CBF-9A5A-6A56C368BE71}" type="datetimeFigureOut">
               <a:rPr lang="en-GB" smtClean="0"/>
               <a:pPr/>
-              <a:t>23/01/2023</a:t>
+              <a:t>17/06/2024</a:t>
             </a:fld>
             <a:endParaRPr lang="en-GB"/>
           </a:p>
@@ -1972,7 +1972,7 @@
             <a:fld id="{26EA1CF3-4A15-4CBF-9A5A-6A56C368BE71}" type="datetimeFigureOut">
               <a:rPr lang="en-GB" smtClean="0"/>
               <a:pPr/>
-              <a:t>23/01/2023</a:t>
+              <a:t>17/06/2024</a:t>
             </a:fld>
             <a:endParaRPr lang="en-GB"/>
           </a:p>
@@ -2246,7 +2246,7 @@
             <a:fld id="{26EA1CF3-4A15-4CBF-9A5A-6A56C368BE71}" type="datetimeFigureOut">
               <a:rPr lang="en-GB" smtClean="0"/>
               <a:pPr/>
-              <a:t>23/01/2023</a:t>
+              <a:t>17/06/2024</a:t>
             </a:fld>
             <a:endParaRPr lang="en-GB"/>
           </a:p>
@@ -2496,7 +2496,7 @@
             <a:fld id="{26EA1CF3-4A15-4CBF-9A5A-6A56C368BE71}" type="datetimeFigureOut">
               <a:rPr lang="en-GB" smtClean="0"/>
               <a:pPr/>
-              <a:t>23/01/2023</a:t>
+              <a:t>17/06/2024</a:t>
             </a:fld>
             <a:endParaRPr lang="en-GB"/>
           </a:p>
@@ -2709,7 +2709,7 @@
             <a:fld id="{26EA1CF3-4A15-4CBF-9A5A-6A56C368BE71}" type="datetimeFigureOut">
               <a:rPr lang="en-GB" smtClean="0"/>
               <a:pPr/>
-              <a:t>23/01/2023</a:t>
+              <a:t>17/06/2024</a:t>
             </a:fld>
             <a:endParaRPr lang="en-GB"/>
           </a:p>
@@ -3287,7 +3287,7 @@
         </p:nvSpPr>
         <p:spPr>
           <a:xfrm>
-            <a:off x="323528" y="188640"/>
+            <a:off x="203118" y="692696"/>
             <a:ext cx="8640960" cy="6480720"/>
           </a:xfrm>
         </p:spPr>
@@ -3298,7 +3298,7 @@
           <a:lstStyle/>
           <a:p>
             <a:r>
-              <a:rPr lang="en-GB" sz="4000" dirty="0">
+              <a:rPr lang="en-GB" sz="3600" dirty="0">
                 <a:solidFill>
                   <a:schemeClr val="bg1"/>
                 </a:solidFill>
@@ -3308,7 +3308,7 @@
           </a:p>
           <a:p>
             <a:r>
-              <a:rPr lang="en-GB" sz="4000" dirty="0">
+              <a:rPr lang="en-GB" sz="3600" dirty="0">
                 <a:solidFill>
                   <a:schemeClr val="bg1"/>
                 </a:solidFill>
@@ -3318,7 +3318,7 @@
           </a:p>
           <a:p>
             <a:r>
-              <a:rPr lang="en-GB" sz="4000" dirty="0">
+              <a:rPr lang="en-GB" sz="3600" dirty="0">
                 <a:solidFill>
                   <a:schemeClr val="bg1"/>
                 </a:solidFill>
@@ -3328,7 +3328,7 @@
           </a:p>
           <a:p>
             <a:r>
-              <a:rPr lang="en-GB" sz="4000" dirty="0">
+              <a:rPr lang="en-GB" sz="3600" dirty="0">
                 <a:solidFill>
                   <a:schemeClr val="bg1"/>
                 </a:solidFill>
@@ -3338,7 +3338,7 @@
           </a:p>
           <a:p>
             <a:r>
-              <a:rPr lang="en-GB" sz="4000" dirty="0">
+              <a:rPr lang="en-GB" sz="3600" dirty="0">
                 <a:solidFill>
                   <a:schemeClr val="bg1"/>
                 </a:solidFill>
@@ -3348,7 +3348,7 @@
           </a:p>
           <a:p>
             <a:r>
-              <a:rPr lang="en-GB" sz="4000" dirty="0">
+              <a:rPr lang="en-GB" sz="3600" dirty="0">
                 <a:solidFill>
                   <a:schemeClr val="bg1"/>
                 </a:solidFill>
@@ -3358,7 +3358,7 @@
           </a:p>
           <a:p>
             <a:r>
-              <a:rPr lang="en-GB" sz="4000" dirty="0">
+              <a:rPr lang="en-GB" sz="3600" dirty="0">
                 <a:solidFill>
                   <a:schemeClr val="bg1"/>
                 </a:solidFill>
@@ -3368,7 +3368,7 @@
           </a:p>
           <a:p>
             <a:r>
-              <a:rPr lang="en-GB" sz="4000" dirty="0">
+              <a:rPr lang="en-GB" sz="3600" dirty="0">
                 <a:solidFill>
                   <a:schemeClr val="bg1"/>
                 </a:solidFill>
@@ -3414,7 +3414,7 @@
     </p:spTree>
     <p:extLst>
       <p:ext uri="{BB962C8B-B14F-4D97-AF65-F5344CB8AC3E}">
-        <p14:creationId xmlns:p14="http://schemas.microsoft.com/office/powerpoint/2010/main" val="3093291646"/>
+        <p14:creationId xmlns:p14="http://schemas.microsoft.com/office/powerpoint/2010/main" val="856293209"/>
       </p:ext>
     </p:extLst>
   </p:cSld>
@@ -3453,7 +3453,7 @@
         </p:nvSpPr>
         <p:spPr>
           <a:xfrm>
-            <a:off x="323528" y="188640"/>
+            <a:off x="323528" y="692696"/>
             <a:ext cx="8640960" cy="6480720"/>
           </a:xfrm>
         </p:spPr>
@@ -3464,7 +3464,7 @@
           <a:lstStyle/>
           <a:p>
             <a:r>
-              <a:rPr lang="en-GB" sz="4000" dirty="0">
+              <a:rPr lang="en-GB" sz="3600" dirty="0">
                 <a:solidFill>
                   <a:schemeClr val="bg1"/>
                 </a:solidFill>
@@ -3474,7 +3474,7 @@
           </a:p>
           <a:p>
             <a:r>
-              <a:rPr lang="en-GB" sz="4000" dirty="0">
+              <a:rPr lang="en-GB" sz="3600" dirty="0">
                 <a:solidFill>
                   <a:schemeClr val="bg1"/>
                 </a:solidFill>
@@ -3483,7 +3483,7 @@
             </a:r>
           </a:p>
           <a:p>
-            <a:endParaRPr lang="en-GB" sz="4000" dirty="0">
+            <a:endParaRPr lang="en-GB" sz="3600" dirty="0">
               <a:solidFill>
                 <a:schemeClr val="bg1"/>
               </a:solidFill>
@@ -3491,7 +3491,7 @@
           </a:p>
           <a:p>
             <a:r>
-              <a:rPr lang="en-GB" sz="4000" dirty="0">
+              <a:rPr lang="en-GB" sz="3600" dirty="0">
                 <a:solidFill>
                   <a:schemeClr val="bg1"/>
                 </a:solidFill>
@@ -3501,7 +3501,7 @@
           </a:p>
           <a:p>
             <a:r>
-              <a:rPr lang="en-GB" sz="4000" dirty="0">
+              <a:rPr lang="en-GB" sz="3600" dirty="0">
                 <a:solidFill>
                   <a:schemeClr val="bg1"/>
                 </a:solidFill>
@@ -3511,7 +3511,7 @@
           </a:p>
           <a:p>
             <a:r>
-              <a:rPr lang="en-GB" sz="4000" dirty="0">
+              <a:rPr lang="en-GB" sz="3600" dirty="0">
                 <a:solidFill>
                   <a:schemeClr val="bg1"/>
                 </a:solidFill>
@@ -3521,7 +3521,7 @@
           </a:p>
           <a:p>
             <a:r>
-              <a:rPr lang="en-GB" sz="4000" dirty="0">
+              <a:rPr lang="en-GB" sz="3600" dirty="0">
                 <a:solidFill>
                   <a:schemeClr val="bg1"/>
                 </a:solidFill>
@@ -3531,7 +3531,7 @@
           </a:p>
           <a:p>
             <a:r>
-              <a:rPr lang="en-GB" sz="4000" dirty="0">
+              <a:rPr lang="en-GB" sz="3600" dirty="0">
                 <a:solidFill>
                   <a:schemeClr val="bg1"/>
                 </a:solidFill>
@@ -3577,7 +3577,7 @@
     </p:spTree>
     <p:extLst>
       <p:ext uri="{BB962C8B-B14F-4D97-AF65-F5344CB8AC3E}">
-        <p14:creationId xmlns:p14="http://schemas.microsoft.com/office/powerpoint/2010/main" val="1504157866"/>
+        <p14:creationId xmlns:p14="http://schemas.microsoft.com/office/powerpoint/2010/main" val="45561885"/>
       </p:ext>
     </p:extLst>
   </p:cSld>
